--- a/HADDOCK_Results/figures/updated_figures_jan18.pptx
+++ b/HADDOCK_Results/figures/updated_figures_jan18.pptx
@@ -7,6 +7,8 @@
   <p:sldIdLst>
     <p:sldId id="256" r:id="rId2"/>
     <p:sldId id="257" r:id="rId3"/>
+    <p:sldId id="258" r:id="rId4"/>
+    <p:sldId id="259" r:id="rId5"/>
   </p:sldIdLst>
   <p:sldSz cx="12192000" cy="6858000"/>
   <p:notesSz cx="6858000" cy="9144000"/>
@@ -105,6 +107,11 @@
       </a:defRPr>
     </a:lvl9pPr>
   </p:defaultTextStyle>
+  <p:extLst>
+    <p:ext uri="{EFAFB233-063F-42B5-8137-9DF3F51BA10A}">
+      <p15:sldGuideLst xmlns:p15="http://schemas.microsoft.com/office/powerpoint/2012/main"/>
+    </p:ext>
+  </p:extLst>
 </p:presentation>
 </file>
 
@@ -255,7 +262,7 @@
           <a:p>
             <a:fld id="{6E2B00BB-CD46-C34F-A4F7-479EAF9D8D34}" type="datetimeFigureOut">
               <a:rPr lang="en-US" smtClean="0"/>
-              <a:t>1/18/24</a:t>
+              <a:t>1/19/24</a:t>
             </a:fld>
             <a:endParaRPr lang="en-US"/>
           </a:p>
@@ -453,7 +460,7 @@
           <a:p>
             <a:fld id="{6E2B00BB-CD46-C34F-A4F7-479EAF9D8D34}" type="datetimeFigureOut">
               <a:rPr lang="en-US" smtClean="0"/>
-              <a:t>1/18/24</a:t>
+              <a:t>1/19/24</a:t>
             </a:fld>
             <a:endParaRPr lang="en-US"/>
           </a:p>
@@ -661,7 +668,7 @@
           <a:p>
             <a:fld id="{6E2B00BB-CD46-C34F-A4F7-479EAF9D8D34}" type="datetimeFigureOut">
               <a:rPr lang="en-US" smtClean="0"/>
-              <a:t>1/18/24</a:t>
+              <a:t>1/19/24</a:t>
             </a:fld>
             <a:endParaRPr lang="en-US"/>
           </a:p>
@@ -859,7 +866,7 @@
           <a:p>
             <a:fld id="{6E2B00BB-CD46-C34F-A4F7-479EAF9D8D34}" type="datetimeFigureOut">
               <a:rPr lang="en-US" smtClean="0"/>
-              <a:t>1/18/24</a:t>
+              <a:t>1/19/24</a:t>
             </a:fld>
             <a:endParaRPr lang="en-US"/>
           </a:p>
@@ -1134,7 +1141,7 @@
           <a:p>
             <a:fld id="{6E2B00BB-CD46-C34F-A4F7-479EAF9D8D34}" type="datetimeFigureOut">
               <a:rPr lang="en-US" smtClean="0"/>
-              <a:t>1/18/24</a:t>
+              <a:t>1/19/24</a:t>
             </a:fld>
             <a:endParaRPr lang="en-US"/>
           </a:p>
@@ -1399,7 +1406,7 @@
           <a:p>
             <a:fld id="{6E2B00BB-CD46-C34F-A4F7-479EAF9D8D34}" type="datetimeFigureOut">
               <a:rPr lang="en-US" smtClean="0"/>
-              <a:t>1/18/24</a:t>
+              <a:t>1/19/24</a:t>
             </a:fld>
             <a:endParaRPr lang="en-US"/>
           </a:p>
@@ -1811,7 +1818,7 @@
           <a:p>
             <a:fld id="{6E2B00BB-CD46-C34F-A4F7-479EAF9D8D34}" type="datetimeFigureOut">
               <a:rPr lang="en-US" smtClean="0"/>
-              <a:t>1/18/24</a:t>
+              <a:t>1/19/24</a:t>
             </a:fld>
             <a:endParaRPr lang="en-US"/>
           </a:p>
@@ -1952,7 +1959,7 @@
           <a:p>
             <a:fld id="{6E2B00BB-CD46-C34F-A4F7-479EAF9D8D34}" type="datetimeFigureOut">
               <a:rPr lang="en-US" smtClean="0"/>
-              <a:t>1/18/24</a:t>
+              <a:t>1/19/24</a:t>
             </a:fld>
             <a:endParaRPr lang="en-US"/>
           </a:p>
@@ -2065,7 +2072,7 @@
           <a:p>
             <a:fld id="{6E2B00BB-CD46-C34F-A4F7-479EAF9D8D34}" type="datetimeFigureOut">
               <a:rPr lang="en-US" smtClean="0"/>
-              <a:t>1/18/24</a:t>
+              <a:t>1/19/24</a:t>
             </a:fld>
             <a:endParaRPr lang="en-US"/>
           </a:p>
@@ -2376,7 +2383,7 @@
           <a:p>
             <a:fld id="{6E2B00BB-CD46-C34F-A4F7-479EAF9D8D34}" type="datetimeFigureOut">
               <a:rPr lang="en-US" smtClean="0"/>
-              <a:t>1/18/24</a:t>
+              <a:t>1/19/24</a:t>
             </a:fld>
             <a:endParaRPr lang="en-US"/>
           </a:p>
@@ -2664,7 +2671,7 @@
           <a:p>
             <a:fld id="{6E2B00BB-CD46-C34F-A4F7-479EAF9D8D34}" type="datetimeFigureOut">
               <a:rPr lang="en-US" smtClean="0"/>
-              <a:t>1/18/24</a:t>
+              <a:t>1/19/24</a:t>
             </a:fld>
             <a:endParaRPr lang="en-US"/>
           </a:p>
@@ -2905,7 +2912,7 @@
           <a:p>
             <a:fld id="{6E2B00BB-CD46-C34F-A4F7-479EAF9D8D34}" type="datetimeFigureOut">
               <a:rPr lang="en-US" smtClean="0"/>
-              <a:t>1/18/24</a:t>
+              <a:t>1/19/24</a:t>
             </a:fld>
             <a:endParaRPr lang="en-US"/>
           </a:p>
@@ -4186,6 +4193,915 @@
 </p:sld>
 </file>
 
+<file path=ppt/slides/slide3.xml><?xml version="1.0" encoding="utf-8"?>
+<p:sld xmlns:a="http://schemas.openxmlformats.org/drawingml/2006/main" xmlns:r="http://schemas.openxmlformats.org/officeDocument/2006/relationships" xmlns:p="http://schemas.openxmlformats.org/presentationml/2006/main">
+  <p:cSld>
+    <p:spTree>
+      <p:nvGrpSpPr>
+        <p:cNvPr id="1" name=""/>
+        <p:cNvGrpSpPr/>
+        <p:nvPr/>
+      </p:nvGrpSpPr>
+      <p:grpSpPr>
+        <a:xfrm>
+          <a:off x="0" y="0"/>
+          <a:ext cx="0" cy="0"/>
+          <a:chOff x="0" y="0"/>
+          <a:chExt cx="0" cy="0"/>
+        </a:xfrm>
+      </p:grpSpPr>
+      <p:pic>
+        <p:nvPicPr>
+          <p:cNvPr id="5" name="Picture 4" descr="A green and purple spirals&#10;&#10;Description automatically generated with medium confidence">
+            <a:extLst>
+              <a:ext uri="{FF2B5EF4-FFF2-40B4-BE49-F238E27FC236}">
+                <a16:creationId xmlns:a16="http://schemas.microsoft.com/office/drawing/2014/main" id="{381E2ECA-F93A-3503-585A-9ABAF04771EF}"/>
+              </a:ext>
+            </a:extLst>
+          </p:cNvPr>
+          <p:cNvPicPr>
+            <a:picLocks noChangeAspect="1"/>
+          </p:cNvPicPr>
+          <p:nvPr/>
+        </p:nvPicPr>
+        <p:blipFill>
+          <a:blip r:embed="rId2"/>
+          <a:stretch>
+            <a:fillRect/>
+          </a:stretch>
+        </p:blipFill>
+        <p:spPr>
+          <a:xfrm>
+            <a:off x="0" y="0"/>
+            <a:ext cx="12192000" cy="6913581"/>
+          </a:xfrm>
+          <a:prstGeom prst="rect">
+            <a:avLst/>
+          </a:prstGeom>
+        </p:spPr>
+      </p:pic>
+      <p:sp>
+        <p:nvSpPr>
+          <p:cNvPr id="6" name="Terminator 5">
+            <a:extLst>
+              <a:ext uri="{FF2B5EF4-FFF2-40B4-BE49-F238E27FC236}">
+                <a16:creationId xmlns:a16="http://schemas.microsoft.com/office/drawing/2014/main" id="{D4F9743B-9DDA-FCB4-E2D8-C934F4E41490}"/>
+              </a:ext>
+            </a:extLst>
+          </p:cNvPr>
+          <p:cNvSpPr/>
+          <p:nvPr/>
+        </p:nvSpPr>
+        <p:spPr>
+          <a:xfrm>
+            <a:off x="5536384" y="1583613"/>
+            <a:ext cx="974221" cy="213644"/>
+          </a:xfrm>
+          <a:prstGeom prst="flowChartTerminator">
+            <a:avLst/>
+          </a:prstGeom>
+          <a:solidFill>
+            <a:srgbClr val="FFFF00">
+              <a:alpha val="67622"/>
+            </a:srgbClr>
+          </a:solidFill>
+        </p:spPr>
+        <p:style>
+          <a:lnRef idx="2">
+            <a:schemeClr val="accent1">
+              <a:shade val="15000"/>
+            </a:schemeClr>
+          </a:lnRef>
+          <a:fillRef idx="1">
+            <a:schemeClr val="accent1"/>
+          </a:fillRef>
+          <a:effectRef idx="0">
+            <a:schemeClr val="accent1"/>
+          </a:effectRef>
+          <a:fontRef idx="minor">
+            <a:schemeClr val="lt1"/>
+          </a:fontRef>
+        </p:style>
+        <p:txBody>
+          <a:bodyPr rtlCol="0" anchor="ctr"/>
+          <a:lstStyle/>
+          <a:p>
+            <a:pPr algn="ctr"/>
+            <a:r>
+              <a:rPr lang="en-US" dirty="0">
+                <a:solidFill>
+                  <a:schemeClr val="tx1"/>
+                </a:solidFill>
+              </a:rPr>
+              <a:t>R497</a:t>
+            </a:r>
+          </a:p>
+        </p:txBody>
+      </p:sp>
+      <p:sp>
+        <p:nvSpPr>
+          <p:cNvPr id="7" name="Terminator 6">
+            <a:extLst>
+              <a:ext uri="{FF2B5EF4-FFF2-40B4-BE49-F238E27FC236}">
+                <a16:creationId xmlns:a16="http://schemas.microsoft.com/office/drawing/2014/main" id="{4B013A79-EDC3-708F-6D02-21A34CD5BC3A}"/>
+              </a:ext>
+            </a:extLst>
+          </p:cNvPr>
+          <p:cNvSpPr/>
+          <p:nvPr/>
+        </p:nvSpPr>
+        <p:spPr>
+          <a:xfrm>
+            <a:off x="7105126" y="1868839"/>
+            <a:ext cx="974221" cy="213644"/>
+          </a:xfrm>
+          <a:prstGeom prst="flowChartTerminator">
+            <a:avLst/>
+          </a:prstGeom>
+          <a:solidFill>
+            <a:srgbClr val="FFFF00">
+              <a:alpha val="67622"/>
+            </a:srgbClr>
+          </a:solidFill>
+        </p:spPr>
+        <p:style>
+          <a:lnRef idx="2">
+            <a:schemeClr val="accent1">
+              <a:shade val="15000"/>
+            </a:schemeClr>
+          </a:lnRef>
+          <a:fillRef idx="1">
+            <a:schemeClr val="accent1"/>
+          </a:fillRef>
+          <a:effectRef idx="0">
+            <a:schemeClr val="accent1"/>
+          </a:effectRef>
+          <a:fontRef idx="minor">
+            <a:schemeClr val="lt1"/>
+          </a:fontRef>
+        </p:style>
+        <p:txBody>
+          <a:bodyPr rtlCol="0" anchor="ctr"/>
+          <a:lstStyle/>
+          <a:p>
+            <a:pPr algn="ctr"/>
+            <a:r>
+              <a:rPr lang="en-US" dirty="0">
+                <a:solidFill>
+                  <a:schemeClr val="tx1"/>
+                </a:solidFill>
+              </a:rPr>
+              <a:t>S446</a:t>
+            </a:r>
+          </a:p>
+        </p:txBody>
+      </p:sp>
+      <p:sp>
+        <p:nvSpPr>
+          <p:cNvPr id="8" name="Terminator 7">
+            <a:extLst>
+              <a:ext uri="{FF2B5EF4-FFF2-40B4-BE49-F238E27FC236}">
+                <a16:creationId xmlns:a16="http://schemas.microsoft.com/office/drawing/2014/main" id="{CBB6116C-67B2-B626-72E9-72FE848C12FC}"/>
+              </a:ext>
+            </a:extLst>
+          </p:cNvPr>
+          <p:cNvSpPr/>
+          <p:nvPr/>
+        </p:nvSpPr>
+        <p:spPr>
+          <a:xfrm>
+            <a:off x="3925699" y="2363789"/>
+            <a:ext cx="974221" cy="213644"/>
+          </a:xfrm>
+          <a:prstGeom prst="flowChartTerminator">
+            <a:avLst/>
+          </a:prstGeom>
+          <a:solidFill>
+            <a:srgbClr val="FFFF00">
+              <a:alpha val="67622"/>
+            </a:srgbClr>
+          </a:solidFill>
+        </p:spPr>
+        <p:style>
+          <a:lnRef idx="2">
+            <a:schemeClr val="accent1">
+              <a:shade val="15000"/>
+            </a:schemeClr>
+          </a:lnRef>
+          <a:fillRef idx="1">
+            <a:schemeClr val="accent1"/>
+          </a:fillRef>
+          <a:effectRef idx="0">
+            <a:schemeClr val="accent1"/>
+          </a:effectRef>
+          <a:fontRef idx="minor">
+            <a:schemeClr val="lt1"/>
+          </a:fontRef>
+        </p:style>
+        <p:txBody>
+          <a:bodyPr rtlCol="0" anchor="ctr"/>
+          <a:lstStyle/>
+          <a:p>
+            <a:pPr algn="ctr"/>
+            <a:r>
+              <a:rPr lang="en-US" dirty="0">
+                <a:solidFill>
+                  <a:schemeClr val="tx1"/>
+                </a:solidFill>
+              </a:rPr>
+              <a:t>D450</a:t>
+            </a:r>
+          </a:p>
+        </p:txBody>
+      </p:sp>
+      <p:sp>
+        <p:nvSpPr>
+          <p:cNvPr id="9" name="Terminator 8">
+            <a:extLst>
+              <a:ext uri="{FF2B5EF4-FFF2-40B4-BE49-F238E27FC236}">
+                <a16:creationId xmlns:a16="http://schemas.microsoft.com/office/drawing/2014/main" id="{6D1B0027-544C-084C-8E3C-3B9C499928DC}"/>
+              </a:ext>
+            </a:extLst>
+          </p:cNvPr>
+          <p:cNvSpPr/>
+          <p:nvPr/>
+        </p:nvSpPr>
+        <p:spPr>
+          <a:xfrm>
+            <a:off x="5536383" y="4461037"/>
+            <a:ext cx="974221" cy="213644"/>
+          </a:xfrm>
+          <a:prstGeom prst="flowChartTerminator">
+            <a:avLst/>
+          </a:prstGeom>
+          <a:solidFill>
+            <a:srgbClr val="FFFF00">
+              <a:alpha val="67622"/>
+            </a:srgbClr>
+          </a:solidFill>
+        </p:spPr>
+        <p:style>
+          <a:lnRef idx="2">
+            <a:schemeClr val="accent1">
+              <a:shade val="15000"/>
+            </a:schemeClr>
+          </a:lnRef>
+          <a:fillRef idx="1">
+            <a:schemeClr val="accent1"/>
+          </a:fillRef>
+          <a:effectRef idx="0">
+            <a:schemeClr val="accent1"/>
+          </a:effectRef>
+          <a:fontRef idx="minor">
+            <a:schemeClr val="lt1"/>
+          </a:fontRef>
+        </p:style>
+        <p:txBody>
+          <a:bodyPr rtlCol="0" anchor="ctr"/>
+          <a:lstStyle/>
+          <a:p>
+            <a:pPr algn="ctr"/>
+            <a:r>
+              <a:rPr lang="en-US" dirty="0">
+                <a:solidFill>
+                  <a:schemeClr val="tx1"/>
+                </a:solidFill>
+              </a:rPr>
+              <a:t>Y449</a:t>
+            </a:r>
+          </a:p>
+        </p:txBody>
+      </p:sp>
+      <p:sp>
+        <p:nvSpPr>
+          <p:cNvPr id="10" name="TextBox 9">
+            <a:extLst>
+              <a:ext uri="{FF2B5EF4-FFF2-40B4-BE49-F238E27FC236}">
+                <a16:creationId xmlns:a16="http://schemas.microsoft.com/office/drawing/2014/main" id="{C9EF6A40-5855-5074-0FA3-3E77DB29D886}"/>
+              </a:ext>
+            </a:extLst>
+          </p:cNvPr>
+          <p:cNvSpPr txBox="1"/>
+          <p:nvPr/>
+        </p:nvSpPr>
+        <p:spPr>
+          <a:xfrm>
+            <a:off x="7793372" y="184558"/>
+            <a:ext cx="1526797" cy="1200329"/>
+          </a:xfrm>
+          <a:prstGeom prst="rect">
+            <a:avLst/>
+          </a:prstGeom>
+          <a:noFill/>
+        </p:spPr>
+        <p:txBody>
+          <a:bodyPr wrap="square" rtlCol="0">
+            <a:spAutoFit/>
+          </a:bodyPr>
+          <a:lstStyle/>
+          <a:p>
+            <a:r>
+              <a:rPr lang="en-US" dirty="0"/>
+              <a:t>7xd2 BA286 and Jn.1 is after this for 7xd2</a:t>
+            </a:r>
+          </a:p>
+        </p:txBody>
+      </p:sp>
+    </p:spTree>
+    <p:extLst>
+      <p:ext uri="{BB962C8B-B14F-4D97-AF65-F5344CB8AC3E}">
+        <p14:creationId xmlns:p14="http://schemas.microsoft.com/office/powerpoint/2010/main" val="3090622434"/>
+      </p:ext>
+    </p:extLst>
+  </p:cSld>
+  <p:clrMapOvr>
+    <a:masterClrMapping/>
+  </p:clrMapOvr>
+</p:sld>
+</file>
+
+<file path=ppt/slides/slide4.xml><?xml version="1.0" encoding="utf-8"?>
+<p:sld xmlns:a="http://schemas.openxmlformats.org/drawingml/2006/main" xmlns:r="http://schemas.openxmlformats.org/officeDocument/2006/relationships" xmlns:p="http://schemas.openxmlformats.org/presentationml/2006/main">
+  <p:cSld>
+    <p:spTree>
+      <p:nvGrpSpPr>
+        <p:cNvPr id="1" name=""/>
+        <p:cNvGrpSpPr/>
+        <p:nvPr/>
+      </p:nvGrpSpPr>
+      <p:grpSpPr>
+        <a:xfrm>
+          <a:off x="0" y="0"/>
+          <a:ext cx="0" cy="0"/>
+          <a:chOff x="0" y="0"/>
+          <a:chExt cx="0" cy="0"/>
+        </a:xfrm>
+      </p:grpSpPr>
+      <p:pic>
+        <p:nvPicPr>
+          <p:cNvPr id="5" name="Picture 4" descr="A green and blue structure&#10;&#10;Description automatically generated with medium confidence">
+            <a:extLst>
+              <a:ext uri="{FF2B5EF4-FFF2-40B4-BE49-F238E27FC236}">
+                <a16:creationId xmlns:a16="http://schemas.microsoft.com/office/drawing/2014/main" id="{E16130AC-2265-D78E-487B-9938C367B1C4}"/>
+              </a:ext>
+            </a:extLst>
+          </p:cNvPr>
+          <p:cNvPicPr>
+            <a:picLocks noChangeAspect="1"/>
+          </p:cNvPicPr>
+          <p:nvPr/>
+        </p:nvPicPr>
+        <p:blipFill>
+          <a:blip r:embed="rId2"/>
+          <a:stretch>
+            <a:fillRect/>
+          </a:stretch>
+        </p:blipFill>
+        <p:spPr>
+          <a:xfrm>
+            <a:off x="0" y="0"/>
+            <a:ext cx="12192000" cy="6913581"/>
+          </a:xfrm>
+          <a:prstGeom prst="rect">
+            <a:avLst/>
+          </a:prstGeom>
+        </p:spPr>
+      </p:pic>
+      <p:sp>
+        <p:nvSpPr>
+          <p:cNvPr id="7" name="Terminator 6">
+            <a:extLst>
+              <a:ext uri="{FF2B5EF4-FFF2-40B4-BE49-F238E27FC236}">
+                <a16:creationId xmlns:a16="http://schemas.microsoft.com/office/drawing/2014/main" id="{D1D45971-07C6-F77A-BA06-59B0431D4D51}"/>
+              </a:ext>
+            </a:extLst>
+          </p:cNvPr>
+          <p:cNvSpPr/>
+          <p:nvPr/>
+        </p:nvSpPr>
+        <p:spPr>
+          <a:xfrm>
+            <a:off x="5608889" y="1415968"/>
+            <a:ext cx="974221" cy="213644"/>
+          </a:xfrm>
+          <a:prstGeom prst="flowChartTerminator">
+            <a:avLst/>
+          </a:prstGeom>
+          <a:solidFill>
+            <a:srgbClr val="FFFF00">
+              <a:alpha val="67622"/>
+            </a:srgbClr>
+          </a:solidFill>
+        </p:spPr>
+        <p:style>
+          <a:lnRef idx="2">
+            <a:schemeClr val="accent1">
+              <a:shade val="15000"/>
+            </a:schemeClr>
+          </a:lnRef>
+          <a:fillRef idx="1">
+            <a:schemeClr val="accent1"/>
+          </a:fillRef>
+          <a:effectRef idx="0">
+            <a:schemeClr val="accent1"/>
+          </a:effectRef>
+          <a:fontRef idx="minor">
+            <a:schemeClr val="lt1"/>
+          </a:fontRef>
+        </p:style>
+        <p:txBody>
+          <a:bodyPr rtlCol="0" anchor="ctr"/>
+          <a:lstStyle/>
+          <a:p>
+            <a:pPr algn="ctr"/>
+            <a:r>
+              <a:rPr lang="en-US" dirty="0">
+                <a:solidFill>
+                  <a:schemeClr val="tx1"/>
+                </a:solidFill>
+              </a:rPr>
+              <a:t>D450</a:t>
+            </a:r>
+          </a:p>
+        </p:txBody>
+      </p:sp>
+      <p:sp>
+        <p:nvSpPr>
+          <p:cNvPr id="8" name="Terminator 7">
+            <a:extLst>
+              <a:ext uri="{FF2B5EF4-FFF2-40B4-BE49-F238E27FC236}">
+                <a16:creationId xmlns:a16="http://schemas.microsoft.com/office/drawing/2014/main" id="{3210E49D-7866-A34F-11AD-A30218B21240}"/>
+              </a:ext>
+            </a:extLst>
+          </p:cNvPr>
+          <p:cNvSpPr/>
+          <p:nvPr/>
+        </p:nvSpPr>
+        <p:spPr>
+          <a:xfrm>
+            <a:off x="4816979" y="1855846"/>
+            <a:ext cx="974221" cy="213644"/>
+          </a:xfrm>
+          <a:prstGeom prst="flowChartTerminator">
+            <a:avLst/>
+          </a:prstGeom>
+          <a:solidFill>
+            <a:srgbClr val="FFFF00">
+              <a:alpha val="67622"/>
+            </a:srgbClr>
+          </a:solidFill>
+        </p:spPr>
+        <p:style>
+          <a:lnRef idx="2">
+            <a:schemeClr val="accent1">
+              <a:shade val="15000"/>
+            </a:schemeClr>
+          </a:lnRef>
+          <a:fillRef idx="1">
+            <a:schemeClr val="accent1"/>
+          </a:fillRef>
+          <a:effectRef idx="0">
+            <a:schemeClr val="accent1"/>
+          </a:effectRef>
+          <a:fontRef idx="minor">
+            <a:schemeClr val="lt1"/>
+          </a:fontRef>
+        </p:style>
+        <p:txBody>
+          <a:bodyPr rtlCol="0" anchor="ctr"/>
+          <a:lstStyle/>
+          <a:p>
+            <a:pPr algn="ctr"/>
+            <a:r>
+              <a:rPr lang="en-US" dirty="0">
+                <a:solidFill>
+                  <a:schemeClr val="tx1"/>
+                </a:solidFill>
+              </a:rPr>
+              <a:t>R346</a:t>
+            </a:r>
+          </a:p>
+        </p:txBody>
+      </p:sp>
+      <p:sp>
+        <p:nvSpPr>
+          <p:cNvPr id="9" name="Terminator 8">
+            <a:extLst>
+              <a:ext uri="{FF2B5EF4-FFF2-40B4-BE49-F238E27FC236}">
+                <a16:creationId xmlns:a16="http://schemas.microsoft.com/office/drawing/2014/main" id="{EE1232CD-ABDF-61CE-3167-A4029A3DA4E9}"/>
+              </a:ext>
+            </a:extLst>
+          </p:cNvPr>
+          <p:cNvSpPr/>
+          <p:nvPr/>
+        </p:nvSpPr>
+        <p:spPr>
+          <a:xfrm>
+            <a:off x="6262500" y="2651656"/>
+            <a:ext cx="974221" cy="213644"/>
+          </a:xfrm>
+          <a:prstGeom prst="flowChartTerminator">
+            <a:avLst/>
+          </a:prstGeom>
+          <a:solidFill>
+            <a:srgbClr val="FFFF00">
+              <a:alpha val="67622"/>
+            </a:srgbClr>
+          </a:solidFill>
+        </p:spPr>
+        <p:style>
+          <a:lnRef idx="2">
+            <a:schemeClr val="accent1">
+              <a:shade val="15000"/>
+            </a:schemeClr>
+          </a:lnRef>
+          <a:fillRef idx="1">
+            <a:schemeClr val="accent1"/>
+          </a:fillRef>
+          <a:effectRef idx="0">
+            <a:schemeClr val="accent1"/>
+          </a:effectRef>
+          <a:fontRef idx="minor">
+            <a:schemeClr val="lt1"/>
+          </a:fontRef>
+        </p:style>
+        <p:txBody>
+          <a:bodyPr rtlCol="0" anchor="ctr"/>
+          <a:lstStyle/>
+          <a:p>
+            <a:pPr algn="ctr"/>
+            <a:r>
+              <a:rPr lang="en-US" dirty="0">
+                <a:solidFill>
+                  <a:schemeClr val="tx1"/>
+                </a:solidFill>
+              </a:rPr>
+              <a:t>Y449</a:t>
+            </a:r>
+          </a:p>
+        </p:txBody>
+      </p:sp>
+      <p:sp>
+        <p:nvSpPr>
+          <p:cNvPr id="11" name="Terminator 10">
+            <a:extLst>
+              <a:ext uri="{FF2B5EF4-FFF2-40B4-BE49-F238E27FC236}">
+                <a16:creationId xmlns:a16="http://schemas.microsoft.com/office/drawing/2014/main" id="{07BB6DF6-881B-ECF3-6C2D-ACB05A0CE0E6}"/>
+              </a:ext>
+            </a:extLst>
+          </p:cNvPr>
+          <p:cNvSpPr/>
+          <p:nvPr/>
+        </p:nvSpPr>
+        <p:spPr>
+          <a:xfrm>
+            <a:off x="7033520" y="2070923"/>
+            <a:ext cx="974221" cy="213644"/>
+          </a:xfrm>
+          <a:prstGeom prst="flowChartTerminator">
+            <a:avLst/>
+          </a:prstGeom>
+          <a:solidFill>
+            <a:srgbClr val="FFFF00">
+              <a:alpha val="67622"/>
+            </a:srgbClr>
+          </a:solidFill>
+        </p:spPr>
+        <p:style>
+          <a:lnRef idx="2">
+            <a:schemeClr val="accent1">
+              <a:shade val="15000"/>
+            </a:schemeClr>
+          </a:lnRef>
+          <a:fillRef idx="1">
+            <a:schemeClr val="accent1"/>
+          </a:fillRef>
+          <a:effectRef idx="0">
+            <a:schemeClr val="accent1"/>
+          </a:effectRef>
+          <a:fontRef idx="minor">
+            <a:schemeClr val="lt1"/>
+          </a:fontRef>
+        </p:style>
+        <p:txBody>
+          <a:bodyPr rtlCol="0" anchor="ctr"/>
+          <a:lstStyle/>
+          <a:p>
+            <a:pPr algn="ctr"/>
+            <a:r>
+              <a:rPr lang="en-US" dirty="0">
+                <a:solidFill>
+                  <a:schemeClr val="tx1"/>
+                </a:solidFill>
+              </a:rPr>
+              <a:t>R497</a:t>
+            </a:r>
+          </a:p>
+        </p:txBody>
+      </p:sp>
+      <p:sp>
+        <p:nvSpPr>
+          <p:cNvPr id="12" name="Terminator 11">
+            <a:extLst>
+              <a:ext uri="{FF2B5EF4-FFF2-40B4-BE49-F238E27FC236}">
+                <a16:creationId xmlns:a16="http://schemas.microsoft.com/office/drawing/2014/main" id="{11DDEB0E-DB51-FB1F-E107-8C83D325BCCB}"/>
+              </a:ext>
+            </a:extLst>
+          </p:cNvPr>
+          <p:cNvSpPr/>
+          <p:nvPr/>
+        </p:nvSpPr>
+        <p:spPr>
+          <a:xfrm>
+            <a:off x="5608889" y="3482977"/>
+            <a:ext cx="974221" cy="213644"/>
+          </a:xfrm>
+          <a:prstGeom prst="flowChartTerminator">
+            <a:avLst/>
+          </a:prstGeom>
+          <a:solidFill>
+            <a:srgbClr val="FFFF00">
+              <a:alpha val="67622"/>
+            </a:srgbClr>
+          </a:solidFill>
+        </p:spPr>
+        <p:style>
+          <a:lnRef idx="2">
+            <a:schemeClr val="accent1">
+              <a:shade val="15000"/>
+            </a:schemeClr>
+          </a:lnRef>
+          <a:fillRef idx="1">
+            <a:schemeClr val="accent1"/>
+          </a:fillRef>
+          <a:effectRef idx="0">
+            <a:schemeClr val="accent1"/>
+          </a:effectRef>
+          <a:fontRef idx="minor">
+            <a:schemeClr val="lt1"/>
+          </a:fontRef>
+        </p:style>
+        <p:txBody>
+          <a:bodyPr rtlCol="0" anchor="ctr"/>
+          <a:lstStyle/>
+          <a:p>
+            <a:pPr algn="ctr"/>
+            <a:r>
+              <a:rPr lang="en-US" dirty="0">
+                <a:solidFill>
+                  <a:schemeClr val="tx1"/>
+                </a:solidFill>
+              </a:rPr>
+              <a:t>S493</a:t>
+            </a:r>
+          </a:p>
+        </p:txBody>
+      </p:sp>
+      <p:sp>
+        <p:nvSpPr>
+          <p:cNvPr id="13" name="Terminator 12">
+            <a:extLst>
+              <a:ext uri="{FF2B5EF4-FFF2-40B4-BE49-F238E27FC236}">
+                <a16:creationId xmlns:a16="http://schemas.microsoft.com/office/drawing/2014/main" id="{20B377E8-CFC9-8520-1CDB-6CCDADA827D6}"/>
+              </a:ext>
+            </a:extLst>
+          </p:cNvPr>
+          <p:cNvSpPr/>
+          <p:nvPr/>
+        </p:nvSpPr>
+        <p:spPr>
+          <a:xfrm>
+            <a:off x="4943205" y="4273079"/>
+            <a:ext cx="974221" cy="213644"/>
+          </a:xfrm>
+          <a:prstGeom prst="flowChartTerminator">
+            <a:avLst/>
+          </a:prstGeom>
+          <a:solidFill>
+            <a:srgbClr val="FFFF00">
+              <a:alpha val="67622"/>
+            </a:srgbClr>
+          </a:solidFill>
+        </p:spPr>
+        <p:style>
+          <a:lnRef idx="2">
+            <a:schemeClr val="accent1">
+              <a:shade val="15000"/>
+            </a:schemeClr>
+          </a:lnRef>
+          <a:fillRef idx="1">
+            <a:schemeClr val="accent1"/>
+          </a:fillRef>
+          <a:effectRef idx="0">
+            <a:schemeClr val="accent1"/>
+          </a:effectRef>
+          <a:fontRef idx="minor">
+            <a:schemeClr val="lt1"/>
+          </a:fontRef>
+        </p:style>
+        <p:txBody>
+          <a:bodyPr rtlCol="0" anchor="ctr"/>
+          <a:lstStyle/>
+          <a:p>
+            <a:pPr algn="ctr"/>
+            <a:r>
+              <a:rPr lang="en-US" dirty="0">
+                <a:solidFill>
+                  <a:schemeClr val="tx1"/>
+                </a:solidFill>
+              </a:rPr>
+              <a:t>Q492</a:t>
+            </a:r>
+          </a:p>
+        </p:txBody>
+      </p:sp>
+      <p:sp>
+        <p:nvSpPr>
+          <p:cNvPr id="14" name="Terminator 13">
+            <a:extLst>
+              <a:ext uri="{FF2B5EF4-FFF2-40B4-BE49-F238E27FC236}">
+                <a16:creationId xmlns:a16="http://schemas.microsoft.com/office/drawing/2014/main" id="{FDF32511-2928-AE7F-E9CE-DF19119A898B}"/>
+              </a:ext>
+            </a:extLst>
+          </p:cNvPr>
+          <p:cNvSpPr/>
+          <p:nvPr/>
+        </p:nvSpPr>
+        <p:spPr>
+          <a:xfrm>
+            <a:off x="5430315" y="5063181"/>
+            <a:ext cx="974221" cy="213644"/>
+          </a:xfrm>
+          <a:prstGeom prst="flowChartTerminator">
+            <a:avLst/>
+          </a:prstGeom>
+          <a:solidFill>
+            <a:srgbClr val="FFFF00">
+              <a:alpha val="67622"/>
+            </a:srgbClr>
+          </a:solidFill>
+        </p:spPr>
+        <p:style>
+          <a:lnRef idx="2">
+            <a:schemeClr val="accent1">
+              <a:shade val="15000"/>
+            </a:schemeClr>
+          </a:lnRef>
+          <a:fillRef idx="1">
+            <a:schemeClr val="accent1"/>
+          </a:fillRef>
+          <a:effectRef idx="0">
+            <a:schemeClr val="accent1"/>
+          </a:effectRef>
+          <a:fontRef idx="minor">
+            <a:schemeClr val="lt1"/>
+          </a:fontRef>
+        </p:style>
+        <p:txBody>
+          <a:bodyPr rtlCol="0" anchor="ctr"/>
+          <a:lstStyle/>
+          <a:p>
+            <a:pPr algn="ctr"/>
+            <a:r>
+              <a:rPr lang="en-US" dirty="0">
+                <a:solidFill>
+                  <a:schemeClr val="tx1"/>
+                </a:solidFill>
+              </a:rPr>
+              <a:t>T470</a:t>
+            </a:r>
+          </a:p>
+        </p:txBody>
+      </p:sp>
+      <p:sp>
+        <p:nvSpPr>
+          <p:cNvPr id="15" name="Terminator 14">
+            <a:extLst>
+              <a:ext uri="{FF2B5EF4-FFF2-40B4-BE49-F238E27FC236}">
+                <a16:creationId xmlns:a16="http://schemas.microsoft.com/office/drawing/2014/main" id="{ECAE927C-69BE-59AA-9F76-E72661DEB5EB}"/>
+              </a:ext>
+            </a:extLst>
+          </p:cNvPr>
+          <p:cNvSpPr/>
+          <p:nvPr/>
+        </p:nvSpPr>
+        <p:spPr>
+          <a:xfrm>
+            <a:off x="5791200" y="6292869"/>
+            <a:ext cx="974221" cy="213644"/>
+          </a:xfrm>
+          <a:prstGeom prst="flowChartTerminator">
+            <a:avLst/>
+          </a:prstGeom>
+          <a:solidFill>
+            <a:srgbClr val="FFFF00">
+              <a:alpha val="67622"/>
+            </a:srgbClr>
+          </a:solidFill>
+        </p:spPr>
+        <p:style>
+          <a:lnRef idx="2">
+            <a:schemeClr val="accent1">
+              <a:shade val="15000"/>
+            </a:schemeClr>
+          </a:lnRef>
+          <a:fillRef idx="1">
+            <a:schemeClr val="accent1"/>
+          </a:fillRef>
+          <a:effectRef idx="0">
+            <a:schemeClr val="accent1"/>
+          </a:effectRef>
+          <a:fontRef idx="minor">
+            <a:schemeClr val="lt1"/>
+          </a:fontRef>
+        </p:style>
+        <p:txBody>
+          <a:bodyPr rtlCol="0" anchor="ctr"/>
+          <a:lstStyle/>
+          <a:p>
+            <a:pPr algn="ctr"/>
+            <a:r>
+              <a:rPr lang="en-US" dirty="0">
+                <a:solidFill>
+                  <a:schemeClr val="tx1"/>
+                </a:solidFill>
+              </a:rPr>
+              <a:t>Y488</a:t>
+            </a:r>
+          </a:p>
+        </p:txBody>
+      </p:sp>
+      <p:sp>
+        <p:nvSpPr>
+          <p:cNvPr id="16" name="Terminator 15">
+            <a:extLst>
+              <a:ext uri="{FF2B5EF4-FFF2-40B4-BE49-F238E27FC236}">
+                <a16:creationId xmlns:a16="http://schemas.microsoft.com/office/drawing/2014/main" id="{64954AA6-9C1A-ED14-24AA-DFECAB2CA178}"/>
+              </a:ext>
+            </a:extLst>
+          </p:cNvPr>
+          <p:cNvSpPr/>
+          <p:nvPr/>
+        </p:nvSpPr>
+        <p:spPr>
+          <a:xfrm>
+            <a:off x="7593381" y="4466612"/>
+            <a:ext cx="974221" cy="213644"/>
+          </a:xfrm>
+          <a:prstGeom prst="flowChartTerminator">
+            <a:avLst/>
+          </a:prstGeom>
+          <a:solidFill>
+            <a:srgbClr val="FFFF00">
+              <a:alpha val="67622"/>
+            </a:srgbClr>
+          </a:solidFill>
+        </p:spPr>
+        <p:style>
+          <a:lnRef idx="2">
+            <a:schemeClr val="accent1">
+              <a:shade val="15000"/>
+            </a:schemeClr>
+          </a:lnRef>
+          <a:fillRef idx="1">
+            <a:schemeClr val="accent1"/>
+          </a:fillRef>
+          <a:effectRef idx="0">
+            <a:schemeClr val="accent1"/>
+          </a:effectRef>
+          <a:fontRef idx="minor">
+            <a:schemeClr val="lt1"/>
+          </a:fontRef>
+        </p:style>
+        <p:txBody>
+          <a:bodyPr rtlCol="0" anchor="ctr"/>
+          <a:lstStyle/>
+          <a:p>
+            <a:pPr algn="ctr"/>
+            <a:r>
+              <a:rPr lang="en-US" dirty="0">
+                <a:solidFill>
+                  <a:schemeClr val="tx1"/>
+                </a:solidFill>
+              </a:rPr>
+              <a:t>K483</a:t>
+            </a:r>
+          </a:p>
+        </p:txBody>
+      </p:sp>
+    </p:spTree>
+    <p:extLst>
+      <p:ext uri="{BB962C8B-B14F-4D97-AF65-F5344CB8AC3E}">
+        <p14:creationId xmlns:p14="http://schemas.microsoft.com/office/powerpoint/2010/main" val="4110577912"/>
+      </p:ext>
+    </p:extLst>
+  </p:cSld>
+  <p:clrMapOvr>
+    <a:masterClrMapping/>
+  </p:clrMapOvr>
+</p:sld>
+</file>
+
 <file path=ppt/theme/theme1.xml><?xml version="1.0" encoding="utf-8"?>
 <a:theme xmlns:a="http://schemas.openxmlformats.org/drawingml/2006/main" name="Office Theme">
   <a:themeElements>
